--- a/OOP/Midterm/Week 7/Lecture/Namespace and Autoloading.pptx
+++ b/OOP/Midterm/Week 7/Lecture/Namespace and Autoloading.pptx
@@ -14,9 +14,9 @@
     <p:sldId id="256" r:id="rId5"/>
     <p:sldId id="257" r:id="rId6"/>
     <p:sldId id="258" r:id="rId7"/>
-    <p:sldId id="259" r:id="rId8"/>
-    <p:sldId id="260" r:id="rId9"/>
-    <p:sldId id="261" r:id="rId10"/>
+    <p:sldId id="263" r:id="rId8"/>
+    <p:sldId id="261" r:id="rId9"/>
+    <p:sldId id="262" r:id="rId10"/>
   </p:sldIdLst>
   <p:sldSz cx="12192000" cy="6858000"/>
   <p:notesSz cx="6858000" cy="9144000"/>
@@ -220,7 +220,7 @@
           <a:p>
             <a:fld id="{A6D7858F-6309-4F09-BEA0-6CBF97E55806}" type="datetimeFigureOut">
               <a:rPr lang="en-US" smtClean="0"/>
-              <a:t>7/15/2025</a:t>
+              <a:t>7/16/2025</a:t>
             </a:fld>
             <a:endParaRPr lang="en-US" dirty="0"/>
           </a:p>
@@ -397,7 +397,7 @@
           <a:p>
             <a:fld id="{F4F53C5D-CD12-6D4C-A980-0612968271E2}" type="datetimeFigureOut">
               <a:rPr lang="en-US" smtClean="0"/>
-              <a:t>7/15/2025</a:t>
+              <a:t>7/16/2025</a:t>
             </a:fld>
             <a:endParaRPr lang="en-US" dirty="0"/>
           </a:p>
@@ -669,7 +669,13 @@
   <p:cSld>
     <p:spTree>
       <p:nvGrpSpPr>
-        <p:cNvPr id="1" name=""/>
+        <p:cNvPr id="1" name="">
+          <a:extLst>
+            <a:ext uri="{FF2B5EF4-FFF2-40B4-BE49-F238E27FC236}">
+              <a16:creationId xmlns:a16="http://schemas.microsoft.com/office/drawing/2014/main" id="{995A9DD9-D468-18C5-8B5E-919D07F9CBB4}"/>
+            </a:ext>
+          </a:extLst>
+        </p:cNvPr>
         <p:cNvGrpSpPr/>
         <p:nvPr/>
       </p:nvGrpSpPr>
@@ -683,7 +689,13 @@
       </p:grpSpPr>
       <p:sp>
         <p:nvSpPr>
-          <p:cNvPr id="2" name="Slide Image Placeholder 1"/>
+          <p:cNvPr id="2" name="Slide Image Placeholder 1">
+            <a:extLst>
+              <a:ext uri="{FF2B5EF4-FFF2-40B4-BE49-F238E27FC236}">
+                <a16:creationId xmlns:a16="http://schemas.microsoft.com/office/drawing/2014/main" id="{037ED528-6378-D4B8-DCCE-6D9515E8A545}"/>
+              </a:ext>
+            </a:extLst>
+          </p:cNvPr>
           <p:cNvSpPr>
             <a:spLocks noGrp="1" noRot="1" noChangeAspect="1"/>
           </p:cNvSpPr>
@@ -695,7 +707,13 @@
       </p:sp>
       <p:sp>
         <p:nvSpPr>
-          <p:cNvPr id="3" name="Notes Placeholder 2"/>
+          <p:cNvPr id="3" name="Notes Placeholder 2">
+            <a:extLst>
+              <a:ext uri="{FF2B5EF4-FFF2-40B4-BE49-F238E27FC236}">
+                <a16:creationId xmlns:a16="http://schemas.microsoft.com/office/drawing/2014/main" id="{17F328A9-F1A2-1802-8439-5498E26859DF}"/>
+              </a:ext>
+            </a:extLst>
+          </p:cNvPr>
           <p:cNvSpPr>
             <a:spLocks noGrp="1"/>
           </p:cNvSpPr>
@@ -726,7 +744,13 @@
       </p:sp>
       <p:sp>
         <p:nvSpPr>
-          <p:cNvPr id="4" name="Slide Number Placeholder 3"/>
+          <p:cNvPr id="4" name="Slide Number Placeholder 3">
+            <a:extLst>
+              <a:ext uri="{FF2B5EF4-FFF2-40B4-BE49-F238E27FC236}">
+                <a16:creationId xmlns:a16="http://schemas.microsoft.com/office/drawing/2014/main" id="{30BDFB0F-D776-9B11-5E75-11BD5CE5B2AF}"/>
+              </a:ext>
+            </a:extLst>
+          </p:cNvPr>
           <p:cNvSpPr>
             <a:spLocks noGrp="1"/>
           </p:cNvSpPr>
@@ -741,7 +765,7 @@
           <a:p>
             <a:fld id="{A3F167F0-0840-1348-BFE4-C6298BBC0698}" type="slidenum">
               <a:rPr lang="en-US" smtClean="0"/>
-              <a:t>5</a:t>
+              <a:t>4</a:t>
             </a:fld>
             <a:endParaRPr lang="en-US" dirty="0"/>
           </a:p>
@@ -750,7 +774,7 @@
     </p:spTree>
     <p:extLst>
       <p:ext uri="{BB962C8B-B14F-4D97-AF65-F5344CB8AC3E}">
-        <p14:creationId xmlns:p14="http://schemas.microsoft.com/office/powerpoint/2010/main" val="1592795830"/>
+        <p14:creationId xmlns:p14="http://schemas.microsoft.com/office/powerpoint/2010/main" val="59652690"/>
       </p:ext>
     </p:extLst>
   </p:cSld>
@@ -822,6 +846,12 @@
           <a:bodyPr/>
           <a:lstStyle/>
           <a:p>
+            <a:r>
+              <a:rPr lang="en-US" dirty="0"/>
+              <a:t>What if we have many class</a:t>
+            </a:r>
+          </a:p>
+          <a:p>
             <a:endParaRPr lang="en-US" dirty="0"/>
           </a:p>
         </p:txBody>
@@ -849,7 +879,7 @@
           <a:p>
             <a:fld id="{A3F167F0-0840-1348-BFE4-C6298BBC0698}" type="slidenum">
               <a:rPr lang="en-US" smtClean="0"/>
-              <a:t>6</a:t>
+              <a:t>5</a:t>
             </a:fld>
             <a:endParaRPr lang="en-US" dirty="0"/>
           </a:p>
@@ -1504,7 +1534,7 @@
           <a:p>
             <a:fld id="{75D0B1B9-C7DF-F64A-B488-12B3D5090923}" type="datetime1">
               <a:rPr lang="en-US" noProof="0" smtClean="0"/>
-              <a:t>7/15/2025</a:t>
+              <a:t>7/16/2025</a:t>
             </a:fld>
             <a:endParaRPr lang="en-US" noProof="0" dirty="0"/>
           </a:p>
@@ -2730,7 +2760,7 @@
           <a:p>
             <a:fld id="{163A5200-74F0-9445-8847-A53AA9C11C7B}" type="datetime1">
               <a:rPr lang="en-US" noProof="0" smtClean="0"/>
-              <a:t>7/15/2025</a:t>
+              <a:t>7/16/2025</a:t>
             </a:fld>
             <a:endParaRPr lang="en-US" noProof="0" dirty="0"/>
           </a:p>
@@ -4160,7 +4190,7 @@
           <a:p>
             <a:fld id="{163A5200-74F0-9445-8847-A53AA9C11C7B}" type="datetime1">
               <a:rPr lang="en-US" noProof="0" smtClean="0"/>
-              <a:t>7/15/2025</a:t>
+              <a:t>7/16/2025</a:t>
             </a:fld>
             <a:endParaRPr lang="en-US" noProof="0" dirty="0"/>
           </a:p>
@@ -4429,7 +4459,7 @@
           <a:p>
             <a:fld id="{21B17C1C-DA5E-F743-826B-CB70C940D4E6}" type="datetime1">
               <a:rPr lang="en-US" noProof="0" smtClean="0"/>
-              <a:t>7/15/2025</a:t>
+              <a:t>7/16/2025</a:t>
             </a:fld>
             <a:endParaRPr lang="en-US" noProof="0" dirty="0"/>
           </a:p>
@@ -4808,7 +4838,7 @@
           <a:p>
             <a:fld id="{E6F10E4C-E478-1D40-94DF-17D7429B053A}" type="datetime1">
               <a:rPr lang="en-US" noProof="0" smtClean="0"/>
-              <a:t>7/15/2025</a:t>
+              <a:t>7/16/2025</a:t>
             </a:fld>
             <a:endParaRPr lang="en-US" noProof="0" dirty="0"/>
           </a:p>
@@ -4925,7 +4955,7 @@
           <a:p>
             <a:fld id="{AC1A9061-1D22-724D-9508-7BAEAF287353}" type="datetime1">
               <a:rPr lang="en-US" noProof="0" smtClean="0"/>
-              <a:t>7/15/2025</a:t>
+              <a:t>7/16/2025</a:t>
             </a:fld>
             <a:endParaRPr lang="en-US" noProof="0" dirty="0"/>
           </a:p>
@@ -5042,7 +5072,7 @@
           <a:p>
             <a:fld id="{AC1A9061-1D22-724D-9508-7BAEAF287353}" type="datetime1">
               <a:rPr lang="en-US" noProof="0" smtClean="0"/>
-              <a:t>7/15/2025</a:t>
+              <a:t>7/16/2025</a:t>
             </a:fld>
             <a:endParaRPr lang="en-US" noProof="0" dirty="0"/>
           </a:p>
@@ -5182,7 +5212,7 @@
           <a:p>
             <a:fld id="{A4205E0F-8980-D24A-B2F9-0C7A13C6A6DE}" type="datetime1">
               <a:rPr lang="en-US" noProof="0" smtClean="0"/>
-              <a:t>7/15/2025</a:t>
+              <a:t>7/16/2025</a:t>
             </a:fld>
             <a:endParaRPr lang="en-US" noProof="0" dirty="0"/>
           </a:p>
@@ -5386,7 +5416,7 @@
           <a:p>
             <a:fld id="{06D41EE2-1449-2741-9D08-61623EFC2A0E}" type="datetime1">
               <a:rPr lang="en-US" noProof="0" smtClean="0"/>
-              <a:t>7/15/2025</a:t>
+              <a:t>7/16/2025</a:t>
             </a:fld>
             <a:endParaRPr lang="en-US" noProof="0" dirty="0"/>
           </a:p>
@@ -6447,7 +6477,7 @@
           <a:p>
             <a:fld id="{9DAF7560-49B8-714F-A7F1-D946D3E64C23}" type="datetime1">
               <a:rPr lang="en-US" noProof="0" smtClean="0"/>
-              <a:t>7/15/2025</a:t>
+              <a:t>7/16/2025</a:t>
             </a:fld>
             <a:endParaRPr lang="en-US" noProof="0" dirty="0"/>
           </a:p>
@@ -7081,7 +7111,7 @@
           <a:p>
             <a:fld id="{7DD9237C-03C9-D843-906B-96D98C6B2D61}" type="datetime1">
               <a:rPr lang="en-US" noProof="0" smtClean="0"/>
-              <a:t>7/15/2025</a:t>
+              <a:t>7/16/2025</a:t>
             </a:fld>
             <a:endParaRPr lang="en-US" noProof="0" dirty="0"/>
           </a:p>
@@ -8005,7 +8035,7 @@
           <a:p>
             <a:fld id="{397BD2BD-1F35-9841-A6BF-76BE540EE01F}" type="datetime1">
               <a:rPr lang="en-US" noProof="0" smtClean="0"/>
-              <a:t>7/15/2025</a:t>
+              <a:t>7/16/2025</a:t>
             </a:fld>
             <a:endParaRPr lang="en-US" noProof="0" dirty="0"/>
           </a:p>
@@ -9153,7 +9183,7 @@
           <a:p>
             <a:fld id="{6E94F40A-5592-5744-BFD7-61B04D70BFE7}" type="datetime1">
               <a:rPr lang="en-US" noProof="0" smtClean="0"/>
-              <a:t>7/15/2025</a:t>
+              <a:t>7/16/2025</a:t>
             </a:fld>
             <a:endParaRPr lang="en-US" noProof="0" dirty="0"/>
           </a:p>
@@ -10437,7 +10467,7 @@
           <a:p>
             <a:fld id="{A177F711-7020-994E-A797-D04033A0CF12}" type="datetime1">
               <a:rPr lang="en-US" noProof="0" smtClean="0"/>
-              <a:t>7/15/2025</a:t>
+              <a:t>7/16/2025</a:t>
             </a:fld>
             <a:endParaRPr lang="en-US" noProof="0" dirty="0"/>
           </a:p>
@@ -11433,7 +11463,7 @@
           <a:p>
             <a:fld id="{A177F711-7020-994E-A797-D04033A0CF12}" type="datetime1">
               <a:rPr lang="en-US" noProof="0" smtClean="0"/>
-              <a:t>7/15/2025</a:t>
+              <a:t>7/16/2025</a:t>
             </a:fld>
             <a:endParaRPr lang="en-US" noProof="0" dirty="0"/>
           </a:p>
@@ -12347,7 +12377,7 @@
           <a:p>
             <a:fld id="{8C369370-372E-0846-B090-5E6EF97A3B62}" type="datetime1">
               <a:rPr lang="en-US" noProof="0" smtClean="0"/>
-              <a:t>7/15/2025</a:t>
+              <a:t>7/16/2025</a:t>
             </a:fld>
             <a:endParaRPr lang="en-US" noProof="0" dirty="0"/>
           </a:p>
@@ -13739,7 +13769,7 @@
             <a:fld id="{36ACA6CA-E140-824D-8E8B-5CC5036BDBAE}" type="datetime1">
               <a:rPr lang="en-US" noProof="0" smtClean="0"/>
               <a:pPr/>
-              <a:t>7/15/2025</a:t>
+              <a:t>7/16/2025</a:t>
             </a:fld>
             <a:endParaRPr lang="en-US" noProof="0" dirty="0"/>
           </a:p>
@@ -14656,7 +14686,7 @@
         <p:cNvPr id="1" name="">
           <a:extLst>
             <a:ext uri="{FF2B5EF4-FFF2-40B4-BE49-F238E27FC236}">
-              <a16:creationId xmlns:a16="http://schemas.microsoft.com/office/drawing/2014/main" id="{89A7B644-8FF0-675D-7271-4EB17A8DDEDA}"/>
+              <a16:creationId xmlns:a16="http://schemas.microsoft.com/office/drawing/2014/main" id="{EEDAE08E-7781-3A8D-4CE9-1E94B3AA9F15}"/>
             </a:ext>
           </a:extLst>
         </p:cNvPr>
@@ -14676,7 +14706,7 @@
           <p:cNvPr id="4" name="Title 3">
             <a:extLst>
               <a:ext uri="{FF2B5EF4-FFF2-40B4-BE49-F238E27FC236}">
-                <a16:creationId xmlns:a16="http://schemas.microsoft.com/office/drawing/2014/main" id="{F9518774-3410-51F8-D183-9188E50D2F28}"/>
+                <a16:creationId xmlns:a16="http://schemas.microsoft.com/office/drawing/2014/main" id="{56D2FF5B-6DB2-DA30-5FA1-0CDF0B3388E2}"/>
               </a:ext>
             </a:extLst>
           </p:cNvPr>
@@ -14699,45 +14729,15 @@
           <a:p>
             <a:r>
               <a:rPr lang="en-US" dirty="0"/>
-              <a:t>Example Without Namespace</a:t>
+              <a:t>Example With Namespace</a:t>
             </a:r>
           </a:p>
         </p:txBody>
       </p:sp>
-      <p:pic>
-        <p:nvPicPr>
-          <p:cNvPr id="7" name="Picture 6">
-            <a:extLst>
-              <a:ext uri="{FF2B5EF4-FFF2-40B4-BE49-F238E27FC236}">
-                <a16:creationId xmlns:a16="http://schemas.microsoft.com/office/drawing/2014/main" id="{AD2D00AD-D5F1-9232-BAB9-309427F66B5E}"/>
-              </a:ext>
-            </a:extLst>
-          </p:cNvPr>
-          <p:cNvPicPr>
-            <a:picLocks noChangeAspect="1"/>
-          </p:cNvPicPr>
-          <p:nvPr/>
-        </p:nvPicPr>
-        <p:blipFill>
-          <a:blip r:embed="rId2"/>
-          <a:stretch>
-            <a:fillRect/>
-          </a:stretch>
-        </p:blipFill>
-        <p:spPr>
-          <a:xfrm>
-            <a:off x="3157127" y="2688029"/>
-            <a:ext cx="5877745" cy="2143424"/>
-          </a:xfrm>
-          <a:prstGeom prst="rect">
-            <a:avLst/>
-          </a:prstGeom>
-        </p:spPr>
-      </p:pic>
     </p:spTree>
     <p:extLst>
       <p:ext uri="{BB962C8B-B14F-4D97-AF65-F5344CB8AC3E}">
-        <p14:creationId xmlns:p14="http://schemas.microsoft.com/office/powerpoint/2010/main" val="168583583"/>
+        <p14:creationId xmlns:p14="http://schemas.microsoft.com/office/powerpoint/2010/main" val="3414668834"/>
       </p:ext>
     </p:extLst>
   </p:cSld>
@@ -14748,105 +14748,6 @@
 </file>
 
 <file path=ppt/slides/slide5.xml><?xml version="1.0" encoding="utf-8"?>
-<p:sld xmlns:a="http://schemas.openxmlformats.org/drawingml/2006/main" xmlns:r="http://schemas.openxmlformats.org/officeDocument/2006/relationships" xmlns:p="http://schemas.openxmlformats.org/presentationml/2006/main">
-  <p:cSld>
-    <p:spTree>
-      <p:nvGrpSpPr>
-        <p:cNvPr id="1" name="">
-          <a:extLst>
-            <a:ext uri="{FF2B5EF4-FFF2-40B4-BE49-F238E27FC236}">
-              <a16:creationId xmlns:a16="http://schemas.microsoft.com/office/drawing/2014/main" id="{AE1001CF-5983-2F24-0D5E-52DC8AD05201}"/>
-            </a:ext>
-          </a:extLst>
-        </p:cNvPr>
-        <p:cNvGrpSpPr/>
-        <p:nvPr/>
-      </p:nvGrpSpPr>
-      <p:grpSpPr>
-        <a:xfrm>
-          <a:off x="0" y="0"/>
-          <a:ext cx="0" cy="0"/>
-          <a:chOff x="0" y="0"/>
-          <a:chExt cx="0" cy="0"/>
-        </a:xfrm>
-      </p:grpSpPr>
-      <p:sp>
-        <p:nvSpPr>
-          <p:cNvPr id="4" name="Title 3">
-            <a:extLst>
-              <a:ext uri="{FF2B5EF4-FFF2-40B4-BE49-F238E27FC236}">
-                <a16:creationId xmlns:a16="http://schemas.microsoft.com/office/drawing/2014/main" id="{685E9E75-22F6-B02D-EA57-4BFED71480CB}"/>
-              </a:ext>
-            </a:extLst>
-          </p:cNvPr>
-          <p:cNvSpPr>
-            <a:spLocks noGrp="1"/>
-          </p:cNvSpPr>
-          <p:nvPr>
-            <p:ph type="title"/>
-          </p:nvPr>
-        </p:nvSpPr>
-        <p:spPr>
-          <a:xfrm>
-            <a:off x="588069" y="589363"/>
-            <a:ext cx="8761413" cy="706964"/>
-          </a:xfrm>
-        </p:spPr>
-        <p:txBody>
-          <a:bodyPr/>
-          <a:lstStyle/>
-          <a:p>
-            <a:r>
-              <a:rPr lang="en-US" dirty="0"/>
-              <a:t>Example With Namespace</a:t>
-            </a:r>
-          </a:p>
-        </p:txBody>
-      </p:sp>
-      <p:pic>
-        <p:nvPicPr>
-          <p:cNvPr id="6" name="Picture 5">
-            <a:extLst>
-              <a:ext uri="{FF2B5EF4-FFF2-40B4-BE49-F238E27FC236}">
-                <a16:creationId xmlns:a16="http://schemas.microsoft.com/office/drawing/2014/main" id="{34783E4B-8C90-4EFE-37DF-238A9AACB351}"/>
-              </a:ext>
-            </a:extLst>
-          </p:cNvPr>
-          <p:cNvPicPr>
-            <a:picLocks noChangeAspect="1"/>
-          </p:cNvPicPr>
-          <p:nvPr/>
-        </p:nvPicPr>
-        <p:blipFill>
-          <a:blip r:embed="rId3"/>
-          <a:stretch>
-            <a:fillRect/>
-          </a:stretch>
-        </p:blipFill>
-        <p:spPr>
-          <a:xfrm>
-            <a:off x="3190469" y="2564934"/>
-            <a:ext cx="5811061" cy="2591162"/>
-          </a:xfrm>
-          <a:prstGeom prst="rect">
-            <a:avLst/>
-          </a:prstGeom>
-        </p:spPr>
-      </p:pic>
-    </p:spTree>
-    <p:extLst>
-      <p:ext uri="{BB962C8B-B14F-4D97-AF65-F5344CB8AC3E}">
-        <p14:creationId xmlns:p14="http://schemas.microsoft.com/office/powerpoint/2010/main" val="3725568679"/>
-      </p:ext>
-    </p:extLst>
-  </p:cSld>
-  <p:clrMapOvr>
-    <a:masterClrMapping/>
-  </p:clrMapOvr>
-</p:sld>
-</file>
-
-<file path=ppt/slides/slide6.xml><?xml version="1.0" encoding="utf-8"?>
 <p:sld xmlns:a="http://schemas.openxmlformats.org/drawingml/2006/main" xmlns:r="http://schemas.openxmlformats.org/officeDocument/2006/relationships" xmlns:p="http://schemas.openxmlformats.org/presentationml/2006/main">
   <p:cSld>
     <p:spTree>
@@ -14902,10 +14803,293 @@
           </a:p>
         </p:txBody>
       </p:sp>
+      <p:sp>
+        <p:nvSpPr>
+          <p:cNvPr id="3" name="TextBox 2">
+            <a:extLst>
+              <a:ext uri="{FF2B5EF4-FFF2-40B4-BE49-F238E27FC236}">
+                <a16:creationId xmlns:a16="http://schemas.microsoft.com/office/drawing/2014/main" id="{16EFA7DD-89B4-80BD-FE88-9FC988A21665}"/>
+              </a:ext>
+            </a:extLst>
+          </p:cNvPr>
+          <p:cNvSpPr txBox="1"/>
+          <p:nvPr/>
+        </p:nvSpPr>
+        <p:spPr>
+          <a:xfrm>
+            <a:off x="3048000" y="2671898"/>
+            <a:ext cx="6096000" cy="646331"/>
+          </a:xfrm>
+          <a:prstGeom prst="rect">
+            <a:avLst/>
+          </a:prstGeom>
+          <a:noFill/>
+        </p:spPr>
+        <p:txBody>
+          <a:bodyPr wrap="square">
+            <a:spAutoFit/>
+          </a:bodyPr>
+          <a:lstStyle/>
+          <a:p>
+            <a:pPr>
+              <a:buNone/>
+            </a:pPr>
+            <a:r>
+              <a:rPr lang="en-US" dirty="0"/>
+              <a:t>-Autoloading is a way to </a:t>
+            </a:r>
+            <a:r>
+              <a:rPr lang="en-US" b="1" dirty="0"/>
+              <a:t>automatically load class files</a:t>
+            </a:r>
+            <a:r>
+              <a:rPr lang="en-US" dirty="0"/>
+              <a:t> when they are needed.</a:t>
+            </a:r>
+          </a:p>
+        </p:txBody>
+      </p:sp>
+      <p:pic>
+        <p:nvPicPr>
+          <p:cNvPr id="6" name="Picture 5">
+            <a:extLst>
+              <a:ext uri="{FF2B5EF4-FFF2-40B4-BE49-F238E27FC236}">
+                <a16:creationId xmlns:a16="http://schemas.microsoft.com/office/drawing/2014/main" id="{993D7C43-F646-B11F-1A71-DD037C8EC936}"/>
+              </a:ext>
+            </a:extLst>
+          </p:cNvPr>
+          <p:cNvPicPr>
+            <a:picLocks noChangeAspect="1"/>
+          </p:cNvPicPr>
+          <p:nvPr/>
+        </p:nvPicPr>
+        <p:blipFill>
+          <a:blip r:embed="rId3"/>
+          <a:stretch>
+            <a:fillRect/>
+          </a:stretch>
+        </p:blipFill>
+        <p:spPr>
+          <a:xfrm>
+            <a:off x="762000" y="4334792"/>
+            <a:ext cx="5591955" cy="1933845"/>
+          </a:xfrm>
+          <a:prstGeom prst="rect">
+            <a:avLst/>
+          </a:prstGeom>
+        </p:spPr>
+      </p:pic>
+      <p:sp>
+        <p:nvSpPr>
+          <p:cNvPr id="9" name="TextBox 8">
+            <a:extLst>
+              <a:ext uri="{FF2B5EF4-FFF2-40B4-BE49-F238E27FC236}">
+                <a16:creationId xmlns:a16="http://schemas.microsoft.com/office/drawing/2014/main" id="{8E6C6B78-8D72-A8A4-45A3-5E013EAB6914}"/>
+              </a:ext>
+            </a:extLst>
+          </p:cNvPr>
+          <p:cNvSpPr txBox="1"/>
+          <p:nvPr/>
+        </p:nvSpPr>
+        <p:spPr>
+          <a:xfrm>
+            <a:off x="762000" y="3854599"/>
+            <a:ext cx="6096000" cy="369332"/>
+          </a:xfrm>
+          <a:prstGeom prst="rect">
+            <a:avLst/>
+          </a:prstGeom>
+          <a:noFill/>
+        </p:spPr>
+        <p:txBody>
+          <a:bodyPr wrap="square">
+            <a:spAutoFit/>
+          </a:bodyPr>
+          <a:lstStyle/>
+          <a:p>
+            <a:pPr>
+              <a:buNone/>
+            </a:pPr>
+            <a:r>
+              <a:rPr lang="en-US" dirty="0"/>
+              <a:t>Instead of writing this</a:t>
+            </a:r>
+          </a:p>
+        </p:txBody>
+      </p:sp>
     </p:spTree>
     <p:extLst>
       <p:ext uri="{BB962C8B-B14F-4D97-AF65-F5344CB8AC3E}">
         <p14:creationId xmlns:p14="http://schemas.microsoft.com/office/powerpoint/2010/main" val="1594909395"/>
+      </p:ext>
+    </p:extLst>
+  </p:cSld>
+  <p:clrMapOvr>
+    <a:masterClrMapping/>
+  </p:clrMapOvr>
+</p:sld>
+</file>
+
+<file path=ppt/slides/slide6.xml><?xml version="1.0" encoding="utf-8"?>
+<p:sld xmlns:a="http://schemas.openxmlformats.org/drawingml/2006/main" xmlns:r="http://schemas.openxmlformats.org/officeDocument/2006/relationships" xmlns:p="http://schemas.openxmlformats.org/presentationml/2006/main">
+  <p:cSld>
+    <p:spTree>
+      <p:nvGrpSpPr>
+        <p:cNvPr id="1" name=""/>
+        <p:cNvGrpSpPr/>
+        <p:nvPr/>
+      </p:nvGrpSpPr>
+      <p:grpSpPr>
+        <a:xfrm>
+          <a:off x="0" y="0"/>
+          <a:ext cx="0" cy="0"/>
+          <a:chOff x="0" y="0"/>
+          <a:chExt cx="0" cy="0"/>
+        </a:xfrm>
+      </p:grpSpPr>
+      <p:sp>
+        <p:nvSpPr>
+          <p:cNvPr id="2" name="Slide Number Placeholder 1">
+            <a:extLst>
+              <a:ext uri="{FF2B5EF4-FFF2-40B4-BE49-F238E27FC236}">
+                <a16:creationId xmlns:a16="http://schemas.microsoft.com/office/drawing/2014/main" id="{C55E58E7-A159-8A77-E13F-060802B2CB9B}"/>
+              </a:ext>
+            </a:extLst>
+          </p:cNvPr>
+          <p:cNvSpPr>
+            <a:spLocks noGrp="1"/>
+          </p:cNvSpPr>
+          <p:nvPr>
+            <p:ph type="sldNum" sz="quarter" idx="12"/>
+          </p:nvPr>
+        </p:nvSpPr>
+        <p:spPr/>
+        <p:txBody>
+          <a:bodyPr/>
+          <a:lstStyle/>
+          <a:p>
+            <a:fld id="{9FF96B15-8338-45D5-A943-561235072D66}" type="slidenum">
+              <a:rPr lang="en-US" noProof="0" smtClean="0"/>
+              <a:t>6</a:t>
+            </a:fld>
+            <a:endParaRPr lang="en-US" noProof="0" dirty="0"/>
+          </a:p>
+        </p:txBody>
+      </p:sp>
+      <p:sp>
+        <p:nvSpPr>
+          <p:cNvPr id="3" name="Title 3">
+            <a:extLst>
+              <a:ext uri="{FF2B5EF4-FFF2-40B4-BE49-F238E27FC236}">
+                <a16:creationId xmlns:a16="http://schemas.microsoft.com/office/drawing/2014/main" id="{AD5B672A-2023-091D-818A-32251834C179}"/>
+              </a:ext>
+            </a:extLst>
+          </p:cNvPr>
+          <p:cNvSpPr txBox="1">
+            <a:spLocks/>
+          </p:cNvSpPr>
+          <p:nvPr/>
+        </p:nvSpPr>
+        <p:spPr>
+          <a:xfrm>
+            <a:off x="3752374" y="2478321"/>
+            <a:ext cx="8761413" cy="706964"/>
+          </a:xfrm>
+          <a:prstGeom prst="rect">
+            <a:avLst/>
+          </a:prstGeom>
+        </p:spPr>
+        <p:txBody>
+          <a:bodyPr/>
+          <a:lstStyle>
+            <a:lvl1pPr algn="l" defTabSz="457200" rtl="0" eaLnBrk="1" latinLnBrk="0" hangingPunct="1">
+              <a:spcBef>
+                <a:spcPct val="0"/>
+              </a:spcBef>
+              <a:buNone/>
+              <a:defRPr sz="3600" b="0" i="0" kern="1200">
+                <a:solidFill>
+                  <a:schemeClr val="bg2"/>
+                </a:solidFill>
+                <a:latin typeface="+mj-lt"/>
+                <a:ea typeface="+mj-ea"/>
+                <a:cs typeface="+mj-cs"/>
+              </a:defRPr>
+            </a:lvl1pPr>
+            <a:lvl2pPr eaLnBrk="1" hangingPunct="1">
+              <a:defRPr>
+                <a:solidFill>
+                  <a:schemeClr val="tx2"/>
+                </a:solidFill>
+              </a:defRPr>
+            </a:lvl2pPr>
+            <a:lvl3pPr eaLnBrk="1" hangingPunct="1">
+              <a:defRPr>
+                <a:solidFill>
+                  <a:schemeClr val="tx2"/>
+                </a:solidFill>
+              </a:defRPr>
+            </a:lvl3pPr>
+            <a:lvl4pPr eaLnBrk="1" hangingPunct="1">
+              <a:defRPr>
+                <a:solidFill>
+                  <a:schemeClr val="tx2"/>
+                </a:solidFill>
+              </a:defRPr>
+            </a:lvl4pPr>
+            <a:lvl5pPr eaLnBrk="1" hangingPunct="1">
+              <a:defRPr>
+                <a:solidFill>
+                  <a:schemeClr val="tx2"/>
+                </a:solidFill>
+              </a:defRPr>
+            </a:lvl5pPr>
+            <a:lvl6pPr eaLnBrk="1" hangingPunct="1">
+              <a:defRPr>
+                <a:solidFill>
+                  <a:schemeClr val="tx2"/>
+                </a:solidFill>
+              </a:defRPr>
+            </a:lvl6pPr>
+            <a:lvl7pPr eaLnBrk="1" hangingPunct="1">
+              <a:defRPr>
+                <a:solidFill>
+                  <a:schemeClr val="tx2"/>
+                </a:solidFill>
+              </a:defRPr>
+            </a:lvl7pPr>
+            <a:lvl8pPr eaLnBrk="1" hangingPunct="1">
+              <a:defRPr>
+                <a:solidFill>
+                  <a:schemeClr val="tx2"/>
+                </a:solidFill>
+              </a:defRPr>
+            </a:lvl8pPr>
+            <a:lvl9pPr eaLnBrk="1" hangingPunct="1">
+              <a:defRPr>
+                <a:solidFill>
+                  <a:schemeClr val="tx2"/>
+                </a:solidFill>
+              </a:defRPr>
+            </a:lvl9pPr>
+          </a:lstStyle>
+          <a:p>
+            <a:r>
+              <a:rPr lang="en-US" sz="6600" dirty="0">
+                <a:solidFill>
+                  <a:schemeClr val="tx1"/>
+                </a:solidFill>
+                <a:latin typeface="+mn-lt"/>
+              </a:rPr>
+              <a:t>Thank You</a:t>
+            </a:r>
+          </a:p>
+        </p:txBody>
+      </p:sp>
+    </p:spTree>
+    <p:extLst>
+      <p:ext uri="{BB962C8B-B14F-4D97-AF65-F5344CB8AC3E}">
+        <p14:creationId xmlns:p14="http://schemas.microsoft.com/office/powerpoint/2010/main" val="1052489519"/>
       </p:ext>
     </p:extLst>
   </p:cSld>
@@ -15779,15 +15963,6 @@
 </file>
 
 <file path=customXml/item2.xml><?xml version="1.0" encoding="utf-8"?>
-<?mso-contentType ?>
-<FormTemplates xmlns="http://schemas.microsoft.com/sharepoint/v3/contenttype/forms">
-  <Display>DocumentLibraryForm</Display>
-  <Edit>DocumentLibraryForm</Edit>
-  <New>DocumentLibraryForm</New>
-</FormTemplates>
-</file>
-
-<file path=customXml/item3.xml><?xml version="1.0" encoding="utf-8"?>
 <ct:contentTypeSchema xmlns:ct="http://schemas.microsoft.com/office/2006/metadata/contentType" xmlns:ma="http://schemas.microsoft.com/office/2006/metadata/properties/metaAttributes" ct:_="" ma:_="" ma:contentTypeName="Document" ma:contentTypeID="0x01010079F111ED35F8CC479449609E8A0923A6" ma:contentTypeVersion="11" ma:contentTypeDescription="Create a new document." ma:contentTypeScope="" ma:versionID="96291512c1ee715ab617f4c07df79fc1">
   <xsd:schema xmlns:xsd="http://www.w3.org/2001/XMLSchema" xmlns:xs="http://www.w3.org/2001/XMLSchema" xmlns:p="http://schemas.microsoft.com/office/2006/metadata/properties" xmlns:ns2="71af3243-3dd4-4a8d-8c0d-dd76da1f02a5" xmlns:ns3="16c05727-aa75-4e4a-9b5f-8a80a1165891" targetNamespace="http://schemas.microsoft.com/office/2006/metadata/properties" ma:root="true" ma:fieldsID="8256c27c40ca5c40ce1cf6c44f0205df" ns2:_="" ns3:_="">
     <xsd:import namespace="71af3243-3dd4-4a8d-8c0d-dd76da1f02a5"/>
@@ -15998,6 +16173,15 @@
 </ct:contentTypeSchema>
 </file>
 
+<file path=customXml/item3.xml><?xml version="1.0" encoding="utf-8"?>
+<?mso-contentType ?>
+<FormTemplates xmlns="http://schemas.microsoft.com/sharepoint/v3/contenttype/forms">
+  <Display>DocumentLibraryForm</Display>
+  <Edit>DocumentLibraryForm</Edit>
+  <New>DocumentLibraryForm</New>
+</FormTemplates>
+</file>
+
 <file path=customXml/itemProps1.xml><?xml version="1.0" encoding="utf-8"?>
 <ds:datastoreItem xmlns:ds="http://schemas.openxmlformats.org/officeDocument/2006/customXml" ds:itemID="{F983CA34-C6E2-49BA-ACFF-78ADEC0C28FA}">
   <ds:schemaRefs>
@@ -16009,14 +16193,6 @@
 </file>
 
 <file path=customXml/itemProps2.xml><?xml version="1.0" encoding="utf-8"?>
-<ds:datastoreItem xmlns:ds="http://schemas.openxmlformats.org/officeDocument/2006/customXml" ds:itemID="{CCB9AE35-8A31-4380-94A6-86E5DFCDD123}">
-  <ds:schemaRefs>
-    <ds:schemaRef ds:uri="http://schemas.microsoft.com/sharepoint/v3/contenttype/forms"/>
-  </ds:schemaRefs>
-</ds:datastoreItem>
-</file>
-
-<file path=customXml/itemProps3.xml><?xml version="1.0" encoding="utf-8"?>
 <ds:datastoreItem xmlns:ds="http://schemas.openxmlformats.org/officeDocument/2006/customXml" ds:itemID="{570D0EAE-52CD-493E-A174-3A7CD0E9C7B2}">
   <ds:schemaRefs>
     <ds:schemaRef ds:uri="http://schemas.microsoft.com/office/2006/metadata/contentType"/>
@@ -16033,4 +16209,12 @@
     <ds:schemaRef ds:uri="http://schemas.microsoft.com/internal/obd"/>
   </ds:schemaRefs>
 </ds:datastoreItem>
+</file>
+
+<file path=customXml/itemProps3.xml><?xml version="1.0" encoding="utf-8"?>
+<ds:datastoreItem xmlns:ds="http://schemas.openxmlformats.org/officeDocument/2006/customXml" ds:itemID="{CCB9AE35-8A31-4380-94A6-86E5DFCDD123}">
+  <ds:schemaRefs>
+    <ds:schemaRef ds:uri="http://schemas.microsoft.com/sharepoint/v3/contenttype/forms"/>
+  </ds:schemaRefs>
+</ds:datastoreItem>
 </file>